--- a/Slides/VBGF1.pptx
+++ b/Slides/VBGF1.pptx
@@ -273,7 +273,7 @@
               <a:pPr>
                 <a:defRPr/>
               </a:pPr>
-              <a:t>7/21/2016</a:t>
+              <a:t>7/24/2016</a:t>
             </a:fld>
             <a:endParaRPr lang="en-US"/>
           </a:p>
@@ -6799,7 +6799,15 @@
             <a:pPr lvl="1"/>
             <a:r>
               <a:rPr lang="en-US" dirty="0"/>
-              <a:t>Summarize growth with a few parameters.</a:t>
+              <a:t>Summarize growth </a:t>
+            </a:r>
+            <a:r>
+              <a:rPr lang="en-US" dirty="0" smtClean="0"/>
+              <a:t>with </a:t>
+            </a:r>
+            <a:r>
+              <a:rPr lang="en-US" dirty="0"/>
+              <a:t>few parameters.</a:t>
             </a:r>
           </a:p>
           <a:p>
@@ -6825,7 +6833,11 @@
             <a:pPr lvl="1"/>
             <a:r>
               <a:rPr lang="en-US" dirty="0" smtClean="0"/>
-              <a:t>Used in </a:t>
+              <a:t>Use results </a:t>
+            </a:r>
+            <a:r>
+              <a:rPr lang="en-US" dirty="0" smtClean="0"/>
+              <a:t>in </a:t>
             </a:r>
             <a:r>
               <a:rPr lang="en-US" dirty="0"/>
@@ -7925,8 +7937,42 @@
             </a:pPr>
             <a:r>
               <a:rPr lang="en-US" dirty="0"/>
-              <a:t>controls “curvature” of the model</a:t>
-            </a:r>
+              <a:t>C</a:t>
+            </a:r>
+            <a:r>
+              <a:rPr lang="en-US" dirty="0" smtClean="0"/>
+              <a:t>ontrols </a:t>
+            </a:r>
+            <a:r>
+              <a:rPr lang="en-US" dirty="0"/>
+              <a:t>“curvature” of the </a:t>
+            </a:r>
+            <a:r>
+              <a:rPr lang="en-US" dirty="0" smtClean="0"/>
+              <a:t>model</a:t>
+            </a:r>
+          </a:p>
+          <a:p>
+            <a:pPr lvl="1">
+              <a:lnSpc>
+                <a:spcPct val="90000"/>
+              </a:lnSpc>
+            </a:pPr>
+            <a:r>
+              <a:rPr lang="en-US" dirty="0" smtClean="0"/>
+              <a:t>How “fast” mean length approaches </a:t>
+            </a:r>
+            <a:r>
+              <a:rPr lang="en-US" dirty="0"/>
+              <a:t>L</a:t>
+            </a:r>
+            <a:r>
+              <a:rPr lang="en-US" baseline="-25000" dirty="0">
+                <a:cs typeface="Arial" charset="0"/>
+              </a:rPr>
+              <a:t>∞</a:t>
+            </a:r>
+            <a:endParaRPr lang="en-US" dirty="0"/>
           </a:p>
           <a:p>
             <a:pPr lvl="1">
@@ -8084,146 +8130,9 @@
   <p:timing>
     <p:tnLst>
       <p:par>
-        <p:cTn id="1" dur="indefinite" restart="never" nodeType="tmRoot">
-          <p:childTnLst>
-            <p:seq concurrent="1" nextAc="seek">
-              <p:cTn id="2" dur="indefinite" nodeType="mainSeq">
-                <p:childTnLst>
-                  <p:par>
-                    <p:cTn id="3" fill="hold">
-                      <p:stCondLst>
-                        <p:cond delay="indefinite"/>
-                      </p:stCondLst>
-                      <p:childTnLst>
-                        <p:par>
-                          <p:cTn id="4" fill="hold">
-                            <p:stCondLst>
-                              <p:cond delay="0"/>
-                            </p:stCondLst>
-                            <p:childTnLst>
-                              <p:par>
-                                <p:cTn id="5" presetID="1" presetClass="entr" presetSubtype="0" fill="hold" grpId="0" nodeType="clickEffect">
-                                  <p:stCondLst>
-                                    <p:cond delay="0"/>
-                                  </p:stCondLst>
-                                  <p:childTnLst>
-                                    <p:set>
-                                      <p:cBhvr>
-                                        <p:cTn id="6" dur="1" fill="hold">
-                                          <p:stCondLst>
-                                            <p:cond delay="0"/>
-                                          </p:stCondLst>
-                                        </p:cTn>
-                                        <p:tgtEl>
-                                          <p:spTgt spid="418819">
-                                            <p:txEl>
-                                              <p:pRg st="4" end="4"/>
-                                            </p:txEl>
-                                          </p:spTgt>
-                                        </p:tgtEl>
-                                        <p:attrNameLst>
-                                          <p:attrName>style.visibility</p:attrName>
-                                        </p:attrNameLst>
-                                      </p:cBhvr>
-                                      <p:to>
-                                        <p:strVal val="visible"/>
-                                      </p:to>
-                                    </p:set>
-                                  </p:childTnLst>
-                                </p:cTn>
-                              </p:par>
-                              <p:par>
-                                <p:cTn id="7" presetID="1" presetClass="entr" presetSubtype="0" fill="hold" grpId="0" nodeType="withEffect">
-                                  <p:stCondLst>
-                                    <p:cond delay="0"/>
-                                  </p:stCondLst>
-                                  <p:childTnLst>
-                                    <p:set>
-                                      <p:cBhvr>
-                                        <p:cTn id="8" dur="1" fill="hold">
-                                          <p:stCondLst>
-                                            <p:cond delay="0"/>
-                                          </p:stCondLst>
-                                        </p:cTn>
-                                        <p:tgtEl>
-                                          <p:spTgt spid="418819">
-                                            <p:txEl>
-                                              <p:pRg st="5" end="5"/>
-                                            </p:txEl>
-                                          </p:spTgt>
-                                        </p:tgtEl>
-                                        <p:attrNameLst>
-                                          <p:attrName>style.visibility</p:attrName>
-                                        </p:attrNameLst>
-                                      </p:cBhvr>
-                                      <p:to>
-                                        <p:strVal val="visible"/>
-                                      </p:to>
-                                    </p:set>
-                                  </p:childTnLst>
-                                </p:cTn>
-                              </p:par>
-                              <p:par>
-                                <p:cTn id="9" presetID="1" presetClass="entr" presetSubtype="0" fill="hold" grpId="0" nodeType="withEffect">
-                                  <p:stCondLst>
-                                    <p:cond delay="0"/>
-                                  </p:stCondLst>
-                                  <p:childTnLst>
-                                    <p:set>
-                                      <p:cBhvr>
-                                        <p:cTn id="10" dur="1" fill="hold">
-                                          <p:stCondLst>
-                                            <p:cond delay="0"/>
-                                          </p:stCondLst>
-                                        </p:cTn>
-                                        <p:tgtEl>
-                                          <p:spTgt spid="418819">
-                                            <p:txEl>
-                                              <p:pRg st="6" end="6"/>
-                                            </p:txEl>
-                                          </p:spTgt>
-                                        </p:tgtEl>
-                                        <p:attrNameLst>
-                                          <p:attrName>style.visibility</p:attrName>
-                                        </p:attrNameLst>
-                                      </p:cBhvr>
-                                      <p:to>
-                                        <p:strVal val="visible"/>
-                                      </p:to>
-                                    </p:set>
-                                  </p:childTnLst>
-                                </p:cTn>
-                              </p:par>
-                            </p:childTnLst>
-                          </p:cTn>
-                        </p:par>
-                      </p:childTnLst>
-                    </p:cTn>
-                  </p:par>
-                </p:childTnLst>
-              </p:cTn>
-              <p:prevCondLst>
-                <p:cond evt="onPrev" delay="0">
-                  <p:tgtEl>
-                    <p:sldTgt/>
-                  </p:tgtEl>
-                </p:cond>
-              </p:prevCondLst>
-              <p:nextCondLst>
-                <p:cond evt="onNext" delay="0">
-                  <p:tgtEl>
-                    <p:sldTgt/>
-                  </p:tgtEl>
-                </p:cond>
-              </p:nextCondLst>
-            </p:seq>
-          </p:childTnLst>
-        </p:cTn>
+        <p:cTn id="1" dur="indefinite" restart="never" nodeType="tmRoot"/>
       </p:par>
     </p:tnLst>
-    <p:bldLst>
-      <p:bldP spid="418819" grpId="0" uiExpand="1" build="p"/>
-    </p:bldLst>
   </p:timing>
 </p:sld>
 </file>
